--- a/ppt 16-9/0747.主，我们需要你.pptx
+++ b/ppt 16-9/0747.主，我们需要你.pptx
@@ -129,7 +129,7 @@
           <p:cNvPr id="2" name="标题 1">
             <a:extLst>
               <a:ext uri="{FF2B5EF4-FFF2-40B4-BE49-F238E27FC236}">
-                <a16:creationId xmlns:a16="http://schemas.microsoft.com/office/drawing/2014/main" id="{9C41BBFF-891A-777A-DDBA-32360544FFC5}"/>
+                <a16:creationId xmlns:a16="http://schemas.microsoft.com/office/drawing/2014/main" id="{2FCE1DFD-FC38-4A77-A3D5-FED1275C5345}"/>
               </a:ext>
             </a:extLst>
           </p:cNvPr>
@@ -166,7 +166,7 @@
           <p:cNvPr id="3" name="副标题 2">
             <a:extLst>
               <a:ext uri="{FF2B5EF4-FFF2-40B4-BE49-F238E27FC236}">
-                <a16:creationId xmlns:a16="http://schemas.microsoft.com/office/drawing/2014/main" id="{DF0A7BC1-AB41-0BF3-74FF-A7E7410B0018}"/>
+                <a16:creationId xmlns:a16="http://schemas.microsoft.com/office/drawing/2014/main" id="{E4408E5D-BF32-B68A-5672-291EB9FF667E}"/>
               </a:ext>
             </a:extLst>
           </p:cNvPr>
@@ -236,7 +236,7 @@
           <p:cNvPr id="4" name="日期占位符 3">
             <a:extLst>
               <a:ext uri="{FF2B5EF4-FFF2-40B4-BE49-F238E27FC236}">
-                <a16:creationId xmlns:a16="http://schemas.microsoft.com/office/drawing/2014/main" id="{8CC34417-E69E-7327-7A26-A913B782581D}"/>
+                <a16:creationId xmlns:a16="http://schemas.microsoft.com/office/drawing/2014/main" id="{41314DD1-607B-B597-D12A-AF330C0B3AEE}"/>
               </a:ext>
             </a:extLst>
           </p:cNvPr>
@@ -252,7 +252,7 @@
           <a:bodyPr/>
           <a:lstStyle/>
           <a:p>
-            <a:fld id="{7DA3730C-18FA-4028-BB3E-B167D489B5ED}" type="datetimeFigureOut">
+            <a:fld id="{31985037-53ED-4FE3-8DE3-729FE82A49E8}" type="datetimeFigureOut">
               <a:rPr lang="zh-CN" altLang="en-US" smtClean="0"/>
               <a:t>2024/3/10</a:t>
             </a:fld>
@@ -265,7 +265,7 @@
           <p:cNvPr id="5" name="页脚占位符 4">
             <a:extLst>
               <a:ext uri="{FF2B5EF4-FFF2-40B4-BE49-F238E27FC236}">
-                <a16:creationId xmlns:a16="http://schemas.microsoft.com/office/drawing/2014/main" id="{172A1336-C808-09C6-AC02-837C6AA6D5BE}"/>
+                <a16:creationId xmlns:a16="http://schemas.microsoft.com/office/drawing/2014/main" id="{4847FF52-5262-4C82-6E9E-4996BBD915BC}"/>
               </a:ext>
             </a:extLst>
           </p:cNvPr>
@@ -290,7 +290,7 @@
           <p:cNvPr id="6" name="灯片编号占位符 5">
             <a:extLst>
               <a:ext uri="{FF2B5EF4-FFF2-40B4-BE49-F238E27FC236}">
-                <a16:creationId xmlns:a16="http://schemas.microsoft.com/office/drawing/2014/main" id="{93701CE3-424B-2212-6753-09E32226FE7A}"/>
+                <a16:creationId xmlns:a16="http://schemas.microsoft.com/office/drawing/2014/main" id="{A37659E6-C6E4-28FB-3E8F-30B161B4D787}"/>
               </a:ext>
             </a:extLst>
           </p:cNvPr>
@@ -306,7 +306,7 @@
           <a:bodyPr/>
           <a:lstStyle/>
           <a:p>
-            <a:fld id="{7D1EE2D9-6E75-4FDD-9333-7BF40F01B560}" type="slidenum">
+            <a:fld id="{C48D55DC-924E-4DE3-BD19-A639394D1577}" type="slidenum">
               <a:rPr lang="zh-CN" altLang="en-US" smtClean="0"/>
               <a:t>‹#›</a:t>
             </a:fld>
@@ -317,7 +317,7 @@
     </p:spTree>
     <p:extLst>
       <p:ext uri="{BB962C8B-B14F-4D97-AF65-F5344CB8AC3E}">
-        <p14:creationId xmlns:p14="http://schemas.microsoft.com/office/powerpoint/2010/main" val="2573077401"/>
+        <p14:creationId xmlns:p14="http://schemas.microsoft.com/office/powerpoint/2010/main" val="2284128709"/>
       </p:ext>
     </p:extLst>
   </p:cSld>
@@ -349,7 +349,7 @@
           <p:cNvPr id="2" name="标题 1">
             <a:extLst>
               <a:ext uri="{FF2B5EF4-FFF2-40B4-BE49-F238E27FC236}">
-                <a16:creationId xmlns:a16="http://schemas.microsoft.com/office/drawing/2014/main" id="{3BEBC290-4605-EE90-B404-5693F9AE7166}"/>
+                <a16:creationId xmlns:a16="http://schemas.microsoft.com/office/drawing/2014/main" id="{42ABCF35-D0AE-54D5-13D1-2AB200233D6A}"/>
               </a:ext>
             </a:extLst>
           </p:cNvPr>
@@ -377,7 +377,7 @@
           <p:cNvPr id="3" name="竖排文字占位符 2">
             <a:extLst>
               <a:ext uri="{FF2B5EF4-FFF2-40B4-BE49-F238E27FC236}">
-                <a16:creationId xmlns:a16="http://schemas.microsoft.com/office/drawing/2014/main" id="{8575BB8E-DE6F-656F-2893-93E676D46AA8}"/>
+                <a16:creationId xmlns:a16="http://schemas.microsoft.com/office/drawing/2014/main" id="{B82C3101-D844-73BD-C25B-46773A7E56B7}"/>
               </a:ext>
             </a:extLst>
           </p:cNvPr>
@@ -434,7 +434,7 @@
           <p:cNvPr id="4" name="日期占位符 3">
             <a:extLst>
               <a:ext uri="{FF2B5EF4-FFF2-40B4-BE49-F238E27FC236}">
-                <a16:creationId xmlns:a16="http://schemas.microsoft.com/office/drawing/2014/main" id="{EEA66760-236A-D4FD-46E4-730F811D842A}"/>
+                <a16:creationId xmlns:a16="http://schemas.microsoft.com/office/drawing/2014/main" id="{BD4CFF51-A210-B58B-4EB7-837FFE85CEB0}"/>
               </a:ext>
             </a:extLst>
           </p:cNvPr>
@@ -450,7 +450,7 @@
           <a:bodyPr/>
           <a:lstStyle/>
           <a:p>
-            <a:fld id="{7DA3730C-18FA-4028-BB3E-B167D489B5ED}" type="datetimeFigureOut">
+            <a:fld id="{31985037-53ED-4FE3-8DE3-729FE82A49E8}" type="datetimeFigureOut">
               <a:rPr lang="zh-CN" altLang="en-US" smtClean="0"/>
               <a:t>2024/3/10</a:t>
             </a:fld>
@@ -463,7 +463,7 @@
           <p:cNvPr id="5" name="页脚占位符 4">
             <a:extLst>
               <a:ext uri="{FF2B5EF4-FFF2-40B4-BE49-F238E27FC236}">
-                <a16:creationId xmlns:a16="http://schemas.microsoft.com/office/drawing/2014/main" id="{5E84CDB0-96E0-54E5-DFF7-EE4BAA3F0B7F}"/>
+                <a16:creationId xmlns:a16="http://schemas.microsoft.com/office/drawing/2014/main" id="{5B7A56FE-DB2C-F47A-14F0-9F06075911F1}"/>
               </a:ext>
             </a:extLst>
           </p:cNvPr>
@@ -488,7 +488,7 @@
           <p:cNvPr id="6" name="灯片编号占位符 5">
             <a:extLst>
               <a:ext uri="{FF2B5EF4-FFF2-40B4-BE49-F238E27FC236}">
-                <a16:creationId xmlns:a16="http://schemas.microsoft.com/office/drawing/2014/main" id="{5E022448-EAAE-2B0A-1D3B-0F5FF259FF1B}"/>
+                <a16:creationId xmlns:a16="http://schemas.microsoft.com/office/drawing/2014/main" id="{63328C49-3D60-039C-4584-398CE13D29DF}"/>
               </a:ext>
             </a:extLst>
           </p:cNvPr>
@@ -504,7 +504,7 @@
           <a:bodyPr/>
           <a:lstStyle/>
           <a:p>
-            <a:fld id="{7D1EE2D9-6E75-4FDD-9333-7BF40F01B560}" type="slidenum">
+            <a:fld id="{C48D55DC-924E-4DE3-BD19-A639394D1577}" type="slidenum">
               <a:rPr lang="zh-CN" altLang="en-US" smtClean="0"/>
               <a:t>‹#›</a:t>
             </a:fld>
@@ -515,7 +515,7 @@
     </p:spTree>
     <p:extLst>
       <p:ext uri="{BB962C8B-B14F-4D97-AF65-F5344CB8AC3E}">
-        <p14:creationId xmlns:p14="http://schemas.microsoft.com/office/powerpoint/2010/main" val="3133848034"/>
+        <p14:creationId xmlns:p14="http://schemas.microsoft.com/office/powerpoint/2010/main" val="673596718"/>
       </p:ext>
     </p:extLst>
   </p:cSld>
@@ -547,7 +547,7 @@
           <p:cNvPr id="2" name="竖排标题 1">
             <a:extLst>
               <a:ext uri="{FF2B5EF4-FFF2-40B4-BE49-F238E27FC236}">
-                <a16:creationId xmlns:a16="http://schemas.microsoft.com/office/drawing/2014/main" id="{655322CF-C832-E398-C8A8-E7E49FD1259F}"/>
+                <a16:creationId xmlns:a16="http://schemas.microsoft.com/office/drawing/2014/main" id="{88C87BBB-8F37-40C5-3F5B-DB6B1F2677AA}"/>
               </a:ext>
             </a:extLst>
           </p:cNvPr>
@@ -580,7 +580,7 @@
           <p:cNvPr id="3" name="竖排文字占位符 2">
             <a:extLst>
               <a:ext uri="{FF2B5EF4-FFF2-40B4-BE49-F238E27FC236}">
-                <a16:creationId xmlns:a16="http://schemas.microsoft.com/office/drawing/2014/main" id="{13883329-3475-D927-152B-FED81E54044D}"/>
+                <a16:creationId xmlns:a16="http://schemas.microsoft.com/office/drawing/2014/main" id="{2F93BCBB-BEA3-CF55-AFC0-7947411EE39A}"/>
               </a:ext>
             </a:extLst>
           </p:cNvPr>
@@ -642,7 +642,7 @@
           <p:cNvPr id="4" name="日期占位符 3">
             <a:extLst>
               <a:ext uri="{FF2B5EF4-FFF2-40B4-BE49-F238E27FC236}">
-                <a16:creationId xmlns:a16="http://schemas.microsoft.com/office/drawing/2014/main" id="{77FBD684-E21F-B739-B2EE-2670EA861C56}"/>
+                <a16:creationId xmlns:a16="http://schemas.microsoft.com/office/drawing/2014/main" id="{BEBAF792-CF80-3C17-18B2-55EF5199AF09}"/>
               </a:ext>
             </a:extLst>
           </p:cNvPr>
@@ -658,7 +658,7 @@
           <a:bodyPr/>
           <a:lstStyle/>
           <a:p>
-            <a:fld id="{7DA3730C-18FA-4028-BB3E-B167D489B5ED}" type="datetimeFigureOut">
+            <a:fld id="{31985037-53ED-4FE3-8DE3-729FE82A49E8}" type="datetimeFigureOut">
               <a:rPr lang="zh-CN" altLang="en-US" smtClean="0"/>
               <a:t>2024/3/10</a:t>
             </a:fld>
@@ -671,7 +671,7 @@
           <p:cNvPr id="5" name="页脚占位符 4">
             <a:extLst>
               <a:ext uri="{FF2B5EF4-FFF2-40B4-BE49-F238E27FC236}">
-                <a16:creationId xmlns:a16="http://schemas.microsoft.com/office/drawing/2014/main" id="{251DBC19-2997-8C7C-7359-F68936C6A189}"/>
+                <a16:creationId xmlns:a16="http://schemas.microsoft.com/office/drawing/2014/main" id="{4325ACD6-1F12-7339-14EB-85C8AFA3816C}"/>
               </a:ext>
             </a:extLst>
           </p:cNvPr>
@@ -696,7 +696,7 @@
           <p:cNvPr id="6" name="灯片编号占位符 5">
             <a:extLst>
               <a:ext uri="{FF2B5EF4-FFF2-40B4-BE49-F238E27FC236}">
-                <a16:creationId xmlns:a16="http://schemas.microsoft.com/office/drawing/2014/main" id="{6A0DC690-8180-508B-F4C7-E0FC1702317A}"/>
+                <a16:creationId xmlns:a16="http://schemas.microsoft.com/office/drawing/2014/main" id="{3AE16E10-2784-74F4-DB23-C62198C31D40}"/>
               </a:ext>
             </a:extLst>
           </p:cNvPr>
@@ -712,7 +712,7 @@
           <a:bodyPr/>
           <a:lstStyle/>
           <a:p>
-            <a:fld id="{7D1EE2D9-6E75-4FDD-9333-7BF40F01B560}" type="slidenum">
+            <a:fld id="{C48D55DC-924E-4DE3-BD19-A639394D1577}" type="slidenum">
               <a:rPr lang="zh-CN" altLang="en-US" smtClean="0"/>
               <a:t>‹#›</a:t>
             </a:fld>
@@ -723,7 +723,7 @@
     </p:spTree>
     <p:extLst>
       <p:ext uri="{BB962C8B-B14F-4D97-AF65-F5344CB8AC3E}">
-        <p14:creationId xmlns:p14="http://schemas.microsoft.com/office/powerpoint/2010/main" val="3006907634"/>
+        <p14:creationId xmlns:p14="http://schemas.microsoft.com/office/powerpoint/2010/main" val="1479469605"/>
       </p:ext>
     </p:extLst>
   </p:cSld>
@@ -755,7 +755,7 @@
           <p:cNvPr id="2" name="标题 1">
             <a:extLst>
               <a:ext uri="{FF2B5EF4-FFF2-40B4-BE49-F238E27FC236}">
-                <a16:creationId xmlns:a16="http://schemas.microsoft.com/office/drawing/2014/main" id="{6EFE1778-D0C8-D152-3E20-E77301D8F011}"/>
+                <a16:creationId xmlns:a16="http://schemas.microsoft.com/office/drawing/2014/main" id="{7F399E3B-A48E-AC50-D223-ADC122C3EAD2}"/>
               </a:ext>
             </a:extLst>
           </p:cNvPr>
@@ -783,7 +783,7 @@
           <p:cNvPr id="3" name="内容占位符 2">
             <a:extLst>
               <a:ext uri="{FF2B5EF4-FFF2-40B4-BE49-F238E27FC236}">
-                <a16:creationId xmlns:a16="http://schemas.microsoft.com/office/drawing/2014/main" id="{897C2C18-551E-2166-F240-B8CFFAF9A14E}"/>
+                <a16:creationId xmlns:a16="http://schemas.microsoft.com/office/drawing/2014/main" id="{A888F2E2-26C6-EF81-A7C0-8E715B7757C2}"/>
               </a:ext>
             </a:extLst>
           </p:cNvPr>
@@ -840,7 +840,7 @@
           <p:cNvPr id="4" name="日期占位符 3">
             <a:extLst>
               <a:ext uri="{FF2B5EF4-FFF2-40B4-BE49-F238E27FC236}">
-                <a16:creationId xmlns:a16="http://schemas.microsoft.com/office/drawing/2014/main" id="{26A23C36-9DFA-EBC6-2EDA-0B463CA3726D}"/>
+                <a16:creationId xmlns:a16="http://schemas.microsoft.com/office/drawing/2014/main" id="{26AAE490-5342-AC33-4DD1-E678B6BB7E2C}"/>
               </a:ext>
             </a:extLst>
           </p:cNvPr>
@@ -856,7 +856,7 @@
           <a:bodyPr/>
           <a:lstStyle/>
           <a:p>
-            <a:fld id="{7DA3730C-18FA-4028-BB3E-B167D489B5ED}" type="datetimeFigureOut">
+            <a:fld id="{31985037-53ED-4FE3-8DE3-729FE82A49E8}" type="datetimeFigureOut">
               <a:rPr lang="zh-CN" altLang="en-US" smtClean="0"/>
               <a:t>2024/3/10</a:t>
             </a:fld>
@@ -869,7 +869,7 @@
           <p:cNvPr id="5" name="页脚占位符 4">
             <a:extLst>
               <a:ext uri="{FF2B5EF4-FFF2-40B4-BE49-F238E27FC236}">
-                <a16:creationId xmlns:a16="http://schemas.microsoft.com/office/drawing/2014/main" id="{150D6432-CD90-8C0C-77CF-19F38C90258C}"/>
+                <a16:creationId xmlns:a16="http://schemas.microsoft.com/office/drawing/2014/main" id="{55F18B17-96B7-BC1D-AE1F-BFF7CBEE9235}"/>
               </a:ext>
             </a:extLst>
           </p:cNvPr>
@@ -894,7 +894,7 @@
           <p:cNvPr id="6" name="灯片编号占位符 5">
             <a:extLst>
               <a:ext uri="{FF2B5EF4-FFF2-40B4-BE49-F238E27FC236}">
-                <a16:creationId xmlns:a16="http://schemas.microsoft.com/office/drawing/2014/main" id="{9CEAB3C4-7628-30C6-32F8-49C87C48EC55}"/>
+                <a16:creationId xmlns:a16="http://schemas.microsoft.com/office/drawing/2014/main" id="{7947EF5D-13EA-E18C-FB1A-2D761D962002}"/>
               </a:ext>
             </a:extLst>
           </p:cNvPr>
@@ -910,7 +910,7 @@
           <a:bodyPr/>
           <a:lstStyle/>
           <a:p>
-            <a:fld id="{7D1EE2D9-6E75-4FDD-9333-7BF40F01B560}" type="slidenum">
+            <a:fld id="{C48D55DC-924E-4DE3-BD19-A639394D1577}" type="slidenum">
               <a:rPr lang="zh-CN" altLang="en-US" smtClean="0"/>
               <a:t>‹#›</a:t>
             </a:fld>
@@ -921,7 +921,7 @@
     </p:spTree>
     <p:extLst>
       <p:ext uri="{BB962C8B-B14F-4D97-AF65-F5344CB8AC3E}">
-        <p14:creationId xmlns:p14="http://schemas.microsoft.com/office/powerpoint/2010/main" val="2861749139"/>
+        <p14:creationId xmlns:p14="http://schemas.microsoft.com/office/powerpoint/2010/main" val="1231379009"/>
       </p:ext>
     </p:extLst>
   </p:cSld>
@@ -953,7 +953,7 @@
           <p:cNvPr id="2" name="标题 1">
             <a:extLst>
               <a:ext uri="{FF2B5EF4-FFF2-40B4-BE49-F238E27FC236}">
-                <a16:creationId xmlns:a16="http://schemas.microsoft.com/office/drawing/2014/main" id="{25D7A2C7-5A27-B5D0-319A-0815B7760CBE}"/>
+                <a16:creationId xmlns:a16="http://schemas.microsoft.com/office/drawing/2014/main" id="{FD2E4C18-E75A-976C-5785-E7EF36B11089}"/>
               </a:ext>
             </a:extLst>
           </p:cNvPr>
@@ -990,7 +990,7 @@
           <p:cNvPr id="3" name="文本占位符 2">
             <a:extLst>
               <a:ext uri="{FF2B5EF4-FFF2-40B4-BE49-F238E27FC236}">
-                <a16:creationId xmlns:a16="http://schemas.microsoft.com/office/drawing/2014/main" id="{46CDBC92-D2E5-950C-9FE8-CED1CF38E2B0}"/>
+                <a16:creationId xmlns:a16="http://schemas.microsoft.com/office/drawing/2014/main" id="{1AB53CDE-8E40-414F-5B9C-6EC2DB93557E}"/>
               </a:ext>
             </a:extLst>
           </p:cNvPr>
@@ -1115,7 +1115,7 @@
           <p:cNvPr id="4" name="日期占位符 3">
             <a:extLst>
               <a:ext uri="{FF2B5EF4-FFF2-40B4-BE49-F238E27FC236}">
-                <a16:creationId xmlns:a16="http://schemas.microsoft.com/office/drawing/2014/main" id="{3A354E49-1229-0E1B-E58C-47B56E49B640}"/>
+                <a16:creationId xmlns:a16="http://schemas.microsoft.com/office/drawing/2014/main" id="{F614EABE-4A6B-B9C8-DFD4-DE0F72CE095E}"/>
               </a:ext>
             </a:extLst>
           </p:cNvPr>
@@ -1131,7 +1131,7 @@
           <a:bodyPr/>
           <a:lstStyle/>
           <a:p>
-            <a:fld id="{7DA3730C-18FA-4028-BB3E-B167D489B5ED}" type="datetimeFigureOut">
+            <a:fld id="{31985037-53ED-4FE3-8DE3-729FE82A49E8}" type="datetimeFigureOut">
               <a:rPr lang="zh-CN" altLang="en-US" smtClean="0"/>
               <a:t>2024/3/10</a:t>
             </a:fld>
@@ -1144,7 +1144,7 @@
           <p:cNvPr id="5" name="页脚占位符 4">
             <a:extLst>
               <a:ext uri="{FF2B5EF4-FFF2-40B4-BE49-F238E27FC236}">
-                <a16:creationId xmlns:a16="http://schemas.microsoft.com/office/drawing/2014/main" id="{40E3DD1B-A81C-B3E1-8B15-240CEC18FEAA}"/>
+                <a16:creationId xmlns:a16="http://schemas.microsoft.com/office/drawing/2014/main" id="{C823A832-8817-F84F-5626-C3955DFC9A58}"/>
               </a:ext>
             </a:extLst>
           </p:cNvPr>
@@ -1169,7 +1169,7 @@
           <p:cNvPr id="6" name="灯片编号占位符 5">
             <a:extLst>
               <a:ext uri="{FF2B5EF4-FFF2-40B4-BE49-F238E27FC236}">
-                <a16:creationId xmlns:a16="http://schemas.microsoft.com/office/drawing/2014/main" id="{95408719-795D-D5D3-C7E8-877FF30CCC4E}"/>
+                <a16:creationId xmlns:a16="http://schemas.microsoft.com/office/drawing/2014/main" id="{62D49BA8-4C9A-B86F-1DF0-B985A968B8E4}"/>
               </a:ext>
             </a:extLst>
           </p:cNvPr>
@@ -1185,7 +1185,7 @@
           <a:bodyPr/>
           <a:lstStyle/>
           <a:p>
-            <a:fld id="{7D1EE2D9-6E75-4FDD-9333-7BF40F01B560}" type="slidenum">
+            <a:fld id="{C48D55DC-924E-4DE3-BD19-A639394D1577}" type="slidenum">
               <a:rPr lang="zh-CN" altLang="en-US" smtClean="0"/>
               <a:t>‹#›</a:t>
             </a:fld>
@@ -1196,7 +1196,7 @@
     </p:spTree>
     <p:extLst>
       <p:ext uri="{BB962C8B-B14F-4D97-AF65-F5344CB8AC3E}">
-        <p14:creationId xmlns:p14="http://schemas.microsoft.com/office/powerpoint/2010/main" val="62242552"/>
+        <p14:creationId xmlns:p14="http://schemas.microsoft.com/office/powerpoint/2010/main" val="204040461"/>
       </p:ext>
     </p:extLst>
   </p:cSld>
@@ -1228,7 +1228,7 @@
           <p:cNvPr id="2" name="标题 1">
             <a:extLst>
               <a:ext uri="{FF2B5EF4-FFF2-40B4-BE49-F238E27FC236}">
-                <a16:creationId xmlns:a16="http://schemas.microsoft.com/office/drawing/2014/main" id="{94B332D3-E187-DEF9-50B5-E60A5BCCA7A5}"/>
+                <a16:creationId xmlns:a16="http://schemas.microsoft.com/office/drawing/2014/main" id="{AE551A7E-F978-50C5-772B-24BE1A3BAABD}"/>
               </a:ext>
             </a:extLst>
           </p:cNvPr>
@@ -1256,7 +1256,7 @@
           <p:cNvPr id="3" name="内容占位符 2">
             <a:extLst>
               <a:ext uri="{FF2B5EF4-FFF2-40B4-BE49-F238E27FC236}">
-                <a16:creationId xmlns:a16="http://schemas.microsoft.com/office/drawing/2014/main" id="{A6A27E5B-7233-375D-4276-7E8AF11778A0}"/>
+                <a16:creationId xmlns:a16="http://schemas.microsoft.com/office/drawing/2014/main" id="{08893153-09E5-EA32-A993-7ADC27EA49DE}"/>
               </a:ext>
             </a:extLst>
           </p:cNvPr>
@@ -1318,7 +1318,7 @@
           <p:cNvPr id="4" name="内容占位符 3">
             <a:extLst>
               <a:ext uri="{FF2B5EF4-FFF2-40B4-BE49-F238E27FC236}">
-                <a16:creationId xmlns:a16="http://schemas.microsoft.com/office/drawing/2014/main" id="{19C43154-E766-E4AA-1646-AE240AC0F273}"/>
+                <a16:creationId xmlns:a16="http://schemas.microsoft.com/office/drawing/2014/main" id="{E4109202-97FD-D433-B0F9-BC621036D09C}"/>
               </a:ext>
             </a:extLst>
           </p:cNvPr>
@@ -1380,7 +1380,7 @@
           <p:cNvPr id="5" name="日期占位符 4">
             <a:extLst>
               <a:ext uri="{FF2B5EF4-FFF2-40B4-BE49-F238E27FC236}">
-                <a16:creationId xmlns:a16="http://schemas.microsoft.com/office/drawing/2014/main" id="{0E0B254E-358E-C1D1-4D32-FAF9ED7A7296}"/>
+                <a16:creationId xmlns:a16="http://schemas.microsoft.com/office/drawing/2014/main" id="{A7490283-FC97-A627-1ED8-EC7A2F34E6C6}"/>
               </a:ext>
             </a:extLst>
           </p:cNvPr>
@@ -1396,7 +1396,7 @@
           <a:bodyPr/>
           <a:lstStyle/>
           <a:p>
-            <a:fld id="{7DA3730C-18FA-4028-BB3E-B167D489B5ED}" type="datetimeFigureOut">
+            <a:fld id="{31985037-53ED-4FE3-8DE3-729FE82A49E8}" type="datetimeFigureOut">
               <a:rPr lang="zh-CN" altLang="en-US" smtClean="0"/>
               <a:t>2024/3/10</a:t>
             </a:fld>
@@ -1409,7 +1409,7 @@
           <p:cNvPr id="6" name="页脚占位符 5">
             <a:extLst>
               <a:ext uri="{FF2B5EF4-FFF2-40B4-BE49-F238E27FC236}">
-                <a16:creationId xmlns:a16="http://schemas.microsoft.com/office/drawing/2014/main" id="{E2969354-70AF-04CF-54E0-127EF5336CD7}"/>
+                <a16:creationId xmlns:a16="http://schemas.microsoft.com/office/drawing/2014/main" id="{066E89C7-1B47-3A32-F83F-8987D759C3BE}"/>
               </a:ext>
             </a:extLst>
           </p:cNvPr>
@@ -1434,7 +1434,7 @@
           <p:cNvPr id="7" name="灯片编号占位符 6">
             <a:extLst>
               <a:ext uri="{FF2B5EF4-FFF2-40B4-BE49-F238E27FC236}">
-                <a16:creationId xmlns:a16="http://schemas.microsoft.com/office/drawing/2014/main" id="{48347E69-CFC6-3890-AC54-3792C5AEC4D1}"/>
+                <a16:creationId xmlns:a16="http://schemas.microsoft.com/office/drawing/2014/main" id="{C8DEF6DD-07E2-D51C-0DA9-1BFBD88A8256}"/>
               </a:ext>
             </a:extLst>
           </p:cNvPr>
@@ -1450,7 +1450,7 @@
           <a:bodyPr/>
           <a:lstStyle/>
           <a:p>
-            <a:fld id="{7D1EE2D9-6E75-4FDD-9333-7BF40F01B560}" type="slidenum">
+            <a:fld id="{C48D55DC-924E-4DE3-BD19-A639394D1577}" type="slidenum">
               <a:rPr lang="zh-CN" altLang="en-US" smtClean="0"/>
               <a:t>‹#›</a:t>
             </a:fld>
@@ -1461,7 +1461,7 @@
     </p:spTree>
     <p:extLst>
       <p:ext uri="{BB962C8B-B14F-4D97-AF65-F5344CB8AC3E}">
-        <p14:creationId xmlns:p14="http://schemas.microsoft.com/office/powerpoint/2010/main" val="1884847465"/>
+        <p14:creationId xmlns:p14="http://schemas.microsoft.com/office/powerpoint/2010/main" val="3681190472"/>
       </p:ext>
     </p:extLst>
   </p:cSld>
@@ -1493,7 +1493,7 @@
           <p:cNvPr id="2" name="标题 1">
             <a:extLst>
               <a:ext uri="{FF2B5EF4-FFF2-40B4-BE49-F238E27FC236}">
-                <a16:creationId xmlns:a16="http://schemas.microsoft.com/office/drawing/2014/main" id="{11A3DD5A-59D1-2C05-0D86-7F54C3F6CDFF}"/>
+                <a16:creationId xmlns:a16="http://schemas.microsoft.com/office/drawing/2014/main" id="{3A18AFD7-235B-5646-0CBD-D56E7353A8FE}"/>
               </a:ext>
             </a:extLst>
           </p:cNvPr>
@@ -1526,7 +1526,7 @@
           <p:cNvPr id="3" name="文本占位符 2">
             <a:extLst>
               <a:ext uri="{FF2B5EF4-FFF2-40B4-BE49-F238E27FC236}">
-                <a16:creationId xmlns:a16="http://schemas.microsoft.com/office/drawing/2014/main" id="{2BD54552-6212-813E-BE8A-1F19AEF661FA}"/>
+                <a16:creationId xmlns:a16="http://schemas.microsoft.com/office/drawing/2014/main" id="{BA210561-353C-0486-FFBB-AF87D682F9E5}"/>
               </a:ext>
             </a:extLst>
           </p:cNvPr>
@@ -1597,7 +1597,7 @@
           <p:cNvPr id="4" name="内容占位符 3">
             <a:extLst>
               <a:ext uri="{FF2B5EF4-FFF2-40B4-BE49-F238E27FC236}">
-                <a16:creationId xmlns:a16="http://schemas.microsoft.com/office/drawing/2014/main" id="{487AAE1F-EC9B-C2FE-1D7B-1115CE7886A9}"/>
+                <a16:creationId xmlns:a16="http://schemas.microsoft.com/office/drawing/2014/main" id="{2807A25C-2738-F7CE-D31E-77F52D798AB9}"/>
               </a:ext>
             </a:extLst>
           </p:cNvPr>
@@ -1659,7 +1659,7 @@
           <p:cNvPr id="5" name="文本占位符 4">
             <a:extLst>
               <a:ext uri="{FF2B5EF4-FFF2-40B4-BE49-F238E27FC236}">
-                <a16:creationId xmlns:a16="http://schemas.microsoft.com/office/drawing/2014/main" id="{7BD8306B-4663-9385-D197-BD5E9C9123A1}"/>
+                <a16:creationId xmlns:a16="http://schemas.microsoft.com/office/drawing/2014/main" id="{CED38617-DC98-A5E3-4965-B60AF82F63B5}"/>
               </a:ext>
             </a:extLst>
           </p:cNvPr>
@@ -1730,7 +1730,7 @@
           <p:cNvPr id="6" name="内容占位符 5">
             <a:extLst>
               <a:ext uri="{FF2B5EF4-FFF2-40B4-BE49-F238E27FC236}">
-                <a16:creationId xmlns:a16="http://schemas.microsoft.com/office/drawing/2014/main" id="{5A8F9A98-1B18-DEA6-9D59-AD60AEA573D8}"/>
+                <a16:creationId xmlns:a16="http://schemas.microsoft.com/office/drawing/2014/main" id="{11C6DA37-69B6-3921-5EA6-C37479E464CA}"/>
               </a:ext>
             </a:extLst>
           </p:cNvPr>
@@ -1792,7 +1792,7 @@
           <p:cNvPr id="7" name="日期占位符 6">
             <a:extLst>
               <a:ext uri="{FF2B5EF4-FFF2-40B4-BE49-F238E27FC236}">
-                <a16:creationId xmlns:a16="http://schemas.microsoft.com/office/drawing/2014/main" id="{C90BEA6C-7123-DA32-4025-4DC3BAB2DC8C}"/>
+                <a16:creationId xmlns:a16="http://schemas.microsoft.com/office/drawing/2014/main" id="{2046FF92-28CA-32A8-F524-423F222AAD80}"/>
               </a:ext>
             </a:extLst>
           </p:cNvPr>
@@ -1808,7 +1808,7 @@
           <a:bodyPr/>
           <a:lstStyle/>
           <a:p>
-            <a:fld id="{7DA3730C-18FA-4028-BB3E-B167D489B5ED}" type="datetimeFigureOut">
+            <a:fld id="{31985037-53ED-4FE3-8DE3-729FE82A49E8}" type="datetimeFigureOut">
               <a:rPr lang="zh-CN" altLang="en-US" smtClean="0"/>
               <a:t>2024/3/10</a:t>
             </a:fld>
@@ -1821,7 +1821,7 @@
           <p:cNvPr id="8" name="页脚占位符 7">
             <a:extLst>
               <a:ext uri="{FF2B5EF4-FFF2-40B4-BE49-F238E27FC236}">
-                <a16:creationId xmlns:a16="http://schemas.microsoft.com/office/drawing/2014/main" id="{6265A430-E6B8-ACC3-0610-2B02338FA6F0}"/>
+                <a16:creationId xmlns:a16="http://schemas.microsoft.com/office/drawing/2014/main" id="{44E6B618-6A2A-04D4-8CF8-5E7A6DC287B7}"/>
               </a:ext>
             </a:extLst>
           </p:cNvPr>
@@ -1846,7 +1846,7 @@
           <p:cNvPr id="9" name="灯片编号占位符 8">
             <a:extLst>
               <a:ext uri="{FF2B5EF4-FFF2-40B4-BE49-F238E27FC236}">
-                <a16:creationId xmlns:a16="http://schemas.microsoft.com/office/drawing/2014/main" id="{EC4B9469-F34E-A040-861B-2900D8CB2BF6}"/>
+                <a16:creationId xmlns:a16="http://schemas.microsoft.com/office/drawing/2014/main" id="{BD6C3BD6-C4CB-491C-1D56-98840BADF17A}"/>
               </a:ext>
             </a:extLst>
           </p:cNvPr>
@@ -1862,7 +1862,7 @@
           <a:bodyPr/>
           <a:lstStyle/>
           <a:p>
-            <a:fld id="{7D1EE2D9-6E75-4FDD-9333-7BF40F01B560}" type="slidenum">
+            <a:fld id="{C48D55DC-924E-4DE3-BD19-A639394D1577}" type="slidenum">
               <a:rPr lang="zh-CN" altLang="en-US" smtClean="0"/>
               <a:t>‹#›</a:t>
             </a:fld>
@@ -1873,7 +1873,7 @@
     </p:spTree>
     <p:extLst>
       <p:ext uri="{BB962C8B-B14F-4D97-AF65-F5344CB8AC3E}">
-        <p14:creationId xmlns:p14="http://schemas.microsoft.com/office/powerpoint/2010/main" val="3575040183"/>
+        <p14:creationId xmlns:p14="http://schemas.microsoft.com/office/powerpoint/2010/main" val="2226889688"/>
       </p:ext>
     </p:extLst>
   </p:cSld>
@@ -1905,7 +1905,7 @@
           <p:cNvPr id="2" name="标题 1">
             <a:extLst>
               <a:ext uri="{FF2B5EF4-FFF2-40B4-BE49-F238E27FC236}">
-                <a16:creationId xmlns:a16="http://schemas.microsoft.com/office/drawing/2014/main" id="{2E655D83-F494-61A0-71C8-7D2E17C70120}"/>
+                <a16:creationId xmlns:a16="http://schemas.microsoft.com/office/drawing/2014/main" id="{746C1396-61D0-B870-6832-5F96658AF817}"/>
               </a:ext>
             </a:extLst>
           </p:cNvPr>
@@ -1933,7 +1933,7 @@
           <p:cNvPr id="3" name="日期占位符 2">
             <a:extLst>
               <a:ext uri="{FF2B5EF4-FFF2-40B4-BE49-F238E27FC236}">
-                <a16:creationId xmlns:a16="http://schemas.microsoft.com/office/drawing/2014/main" id="{9B4B9F00-715A-A1CA-C790-A65A12CA25F8}"/>
+                <a16:creationId xmlns:a16="http://schemas.microsoft.com/office/drawing/2014/main" id="{01B6DBA0-CF87-6C51-CCAA-C00D63C5BEC4}"/>
               </a:ext>
             </a:extLst>
           </p:cNvPr>
@@ -1949,7 +1949,7 @@
           <a:bodyPr/>
           <a:lstStyle/>
           <a:p>
-            <a:fld id="{7DA3730C-18FA-4028-BB3E-B167D489B5ED}" type="datetimeFigureOut">
+            <a:fld id="{31985037-53ED-4FE3-8DE3-729FE82A49E8}" type="datetimeFigureOut">
               <a:rPr lang="zh-CN" altLang="en-US" smtClean="0"/>
               <a:t>2024/3/10</a:t>
             </a:fld>
@@ -1962,7 +1962,7 @@
           <p:cNvPr id="4" name="页脚占位符 3">
             <a:extLst>
               <a:ext uri="{FF2B5EF4-FFF2-40B4-BE49-F238E27FC236}">
-                <a16:creationId xmlns:a16="http://schemas.microsoft.com/office/drawing/2014/main" id="{F31653C0-8F5B-39C1-CD3A-B9275E49F8B3}"/>
+                <a16:creationId xmlns:a16="http://schemas.microsoft.com/office/drawing/2014/main" id="{271A410C-5A20-44DB-DA8E-2A59E4CF2853}"/>
               </a:ext>
             </a:extLst>
           </p:cNvPr>
@@ -1987,7 +1987,7 @@
           <p:cNvPr id="5" name="灯片编号占位符 4">
             <a:extLst>
               <a:ext uri="{FF2B5EF4-FFF2-40B4-BE49-F238E27FC236}">
-                <a16:creationId xmlns:a16="http://schemas.microsoft.com/office/drawing/2014/main" id="{88701E05-F772-C3AC-2863-E5B2F33B63DF}"/>
+                <a16:creationId xmlns:a16="http://schemas.microsoft.com/office/drawing/2014/main" id="{70D73355-EB32-2211-6911-2C2E69E463EC}"/>
               </a:ext>
             </a:extLst>
           </p:cNvPr>
@@ -2003,7 +2003,7 @@
           <a:bodyPr/>
           <a:lstStyle/>
           <a:p>
-            <a:fld id="{7D1EE2D9-6E75-4FDD-9333-7BF40F01B560}" type="slidenum">
+            <a:fld id="{C48D55DC-924E-4DE3-BD19-A639394D1577}" type="slidenum">
               <a:rPr lang="zh-CN" altLang="en-US" smtClean="0"/>
               <a:t>‹#›</a:t>
             </a:fld>
@@ -2014,7 +2014,7 @@
     </p:spTree>
     <p:extLst>
       <p:ext uri="{BB962C8B-B14F-4D97-AF65-F5344CB8AC3E}">
-        <p14:creationId xmlns:p14="http://schemas.microsoft.com/office/powerpoint/2010/main" val="1975526044"/>
+        <p14:creationId xmlns:p14="http://schemas.microsoft.com/office/powerpoint/2010/main" val="3189024079"/>
       </p:ext>
     </p:extLst>
   </p:cSld>
@@ -2046,7 +2046,7 @@
           <p:cNvPr id="2" name="日期占位符 1">
             <a:extLst>
               <a:ext uri="{FF2B5EF4-FFF2-40B4-BE49-F238E27FC236}">
-                <a16:creationId xmlns:a16="http://schemas.microsoft.com/office/drawing/2014/main" id="{6572FCD7-E703-6BB6-F2D3-4AF603EE3DD9}"/>
+                <a16:creationId xmlns:a16="http://schemas.microsoft.com/office/drawing/2014/main" id="{2B37A2E0-4E20-3EAC-B778-B343F0786059}"/>
               </a:ext>
             </a:extLst>
           </p:cNvPr>
@@ -2062,7 +2062,7 @@
           <a:bodyPr/>
           <a:lstStyle/>
           <a:p>
-            <a:fld id="{7DA3730C-18FA-4028-BB3E-B167D489B5ED}" type="datetimeFigureOut">
+            <a:fld id="{31985037-53ED-4FE3-8DE3-729FE82A49E8}" type="datetimeFigureOut">
               <a:rPr lang="zh-CN" altLang="en-US" smtClean="0"/>
               <a:t>2024/3/10</a:t>
             </a:fld>
@@ -2075,7 +2075,7 @@
           <p:cNvPr id="3" name="页脚占位符 2">
             <a:extLst>
               <a:ext uri="{FF2B5EF4-FFF2-40B4-BE49-F238E27FC236}">
-                <a16:creationId xmlns:a16="http://schemas.microsoft.com/office/drawing/2014/main" id="{4D9B72BB-B823-1DEA-5CAD-557D10D5AF66}"/>
+                <a16:creationId xmlns:a16="http://schemas.microsoft.com/office/drawing/2014/main" id="{D21B4FE0-316E-C801-AE41-5BC9623BDB59}"/>
               </a:ext>
             </a:extLst>
           </p:cNvPr>
@@ -2100,7 +2100,7 @@
           <p:cNvPr id="4" name="灯片编号占位符 3">
             <a:extLst>
               <a:ext uri="{FF2B5EF4-FFF2-40B4-BE49-F238E27FC236}">
-                <a16:creationId xmlns:a16="http://schemas.microsoft.com/office/drawing/2014/main" id="{A0250471-E28C-A01A-E5CD-666AC4A90FBB}"/>
+                <a16:creationId xmlns:a16="http://schemas.microsoft.com/office/drawing/2014/main" id="{56C011EF-F82B-E7BA-06C6-DB1C9B1B9C4B}"/>
               </a:ext>
             </a:extLst>
           </p:cNvPr>
@@ -2116,7 +2116,7 @@
           <a:bodyPr/>
           <a:lstStyle/>
           <a:p>
-            <a:fld id="{7D1EE2D9-6E75-4FDD-9333-7BF40F01B560}" type="slidenum">
+            <a:fld id="{C48D55DC-924E-4DE3-BD19-A639394D1577}" type="slidenum">
               <a:rPr lang="zh-CN" altLang="en-US" smtClean="0"/>
               <a:t>‹#›</a:t>
             </a:fld>
@@ -2127,7 +2127,7 @@
     </p:spTree>
     <p:extLst>
       <p:ext uri="{BB962C8B-B14F-4D97-AF65-F5344CB8AC3E}">
-        <p14:creationId xmlns:p14="http://schemas.microsoft.com/office/powerpoint/2010/main" val="3313643039"/>
+        <p14:creationId xmlns:p14="http://schemas.microsoft.com/office/powerpoint/2010/main" val="3767780965"/>
       </p:ext>
     </p:extLst>
   </p:cSld>
@@ -2159,7 +2159,7 @@
           <p:cNvPr id="2" name="标题 1">
             <a:extLst>
               <a:ext uri="{FF2B5EF4-FFF2-40B4-BE49-F238E27FC236}">
-                <a16:creationId xmlns:a16="http://schemas.microsoft.com/office/drawing/2014/main" id="{BD72EE5F-E019-1E6D-390A-9561F221E4DF}"/>
+                <a16:creationId xmlns:a16="http://schemas.microsoft.com/office/drawing/2014/main" id="{FF2C0AC7-E0F5-90D9-5CEE-3957058E2D5D}"/>
               </a:ext>
             </a:extLst>
           </p:cNvPr>
@@ -2196,7 +2196,7 @@
           <p:cNvPr id="3" name="内容占位符 2">
             <a:extLst>
               <a:ext uri="{FF2B5EF4-FFF2-40B4-BE49-F238E27FC236}">
-                <a16:creationId xmlns:a16="http://schemas.microsoft.com/office/drawing/2014/main" id="{0E2FF42D-7D7C-FFA3-FDC9-B9574A0205CE}"/>
+                <a16:creationId xmlns:a16="http://schemas.microsoft.com/office/drawing/2014/main" id="{8ABE0210-7373-E809-45FF-E6C5AFD3E7BF}"/>
               </a:ext>
             </a:extLst>
           </p:cNvPr>
@@ -2286,7 +2286,7 @@
           <p:cNvPr id="4" name="文本占位符 3">
             <a:extLst>
               <a:ext uri="{FF2B5EF4-FFF2-40B4-BE49-F238E27FC236}">
-                <a16:creationId xmlns:a16="http://schemas.microsoft.com/office/drawing/2014/main" id="{4F881AF7-6BB8-6782-B62E-2741F997EA7C}"/>
+                <a16:creationId xmlns:a16="http://schemas.microsoft.com/office/drawing/2014/main" id="{BA91F377-EEDC-2D7F-4E15-8FF762C7B31F}"/>
               </a:ext>
             </a:extLst>
           </p:cNvPr>
@@ -2357,7 +2357,7 @@
           <p:cNvPr id="5" name="日期占位符 4">
             <a:extLst>
               <a:ext uri="{FF2B5EF4-FFF2-40B4-BE49-F238E27FC236}">
-                <a16:creationId xmlns:a16="http://schemas.microsoft.com/office/drawing/2014/main" id="{F096BB63-B3E6-F55A-197F-131771BD8640}"/>
+                <a16:creationId xmlns:a16="http://schemas.microsoft.com/office/drawing/2014/main" id="{C0007D8D-99FE-BF1D-3D21-64919FCF8394}"/>
               </a:ext>
             </a:extLst>
           </p:cNvPr>
@@ -2373,7 +2373,7 @@
           <a:bodyPr/>
           <a:lstStyle/>
           <a:p>
-            <a:fld id="{7DA3730C-18FA-4028-BB3E-B167D489B5ED}" type="datetimeFigureOut">
+            <a:fld id="{31985037-53ED-4FE3-8DE3-729FE82A49E8}" type="datetimeFigureOut">
               <a:rPr lang="zh-CN" altLang="en-US" smtClean="0"/>
               <a:t>2024/3/10</a:t>
             </a:fld>
@@ -2386,7 +2386,7 @@
           <p:cNvPr id="6" name="页脚占位符 5">
             <a:extLst>
               <a:ext uri="{FF2B5EF4-FFF2-40B4-BE49-F238E27FC236}">
-                <a16:creationId xmlns:a16="http://schemas.microsoft.com/office/drawing/2014/main" id="{93268B66-5299-DCD6-6591-E900BE3276DA}"/>
+                <a16:creationId xmlns:a16="http://schemas.microsoft.com/office/drawing/2014/main" id="{4D8EE049-5BD9-A6B2-2B36-2C5C9E99C7D3}"/>
               </a:ext>
             </a:extLst>
           </p:cNvPr>
@@ -2411,7 +2411,7 @@
           <p:cNvPr id="7" name="灯片编号占位符 6">
             <a:extLst>
               <a:ext uri="{FF2B5EF4-FFF2-40B4-BE49-F238E27FC236}">
-                <a16:creationId xmlns:a16="http://schemas.microsoft.com/office/drawing/2014/main" id="{8D887555-4A80-40F9-A86B-96B26BCDD268}"/>
+                <a16:creationId xmlns:a16="http://schemas.microsoft.com/office/drawing/2014/main" id="{9C17DC6A-EFAD-E0D8-FC05-8FCC39807CA4}"/>
               </a:ext>
             </a:extLst>
           </p:cNvPr>
@@ -2427,7 +2427,7 @@
           <a:bodyPr/>
           <a:lstStyle/>
           <a:p>
-            <a:fld id="{7D1EE2D9-6E75-4FDD-9333-7BF40F01B560}" type="slidenum">
+            <a:fld id="{C48D55DC-924E-4DE3-BD19-A639394D1577}" type="slidenum">
               <a:rPr lang="zh-CN" altLang="en-US" smtClean="0"/>
               <a:t>‹#›</a:t>
             </a:fld>
@@ -2438,7 +2438,7 @@
     </p:spTree>
     <p:extLst>
       <p:ext uri="{BB962C8B-B14F-4D97-AF65-F5344CB8AC3E}">
-        <p14:creationId xmlns:p14="http://schemas.microsoft.com/office/powerpoint/2010/main" val="64580308"/>
+        <p14:creationId xmlns:p14="http://schemas.microsoft.com/office/powerpoint/2010/main" val="1026320258"/>
       </p:ext>
     </p:extLst>
   </p:cSld>
@@ -2470,7 +2470,7 @@
           <p:cNvPr id="2" name="标题 1">
             <a:extLst>
               <a:ext uri="{FF2B5EF4-FFF2-40B4-BE49-F238E27FC236}">
-                <a16:creationId xmlns:a16="http://schemas.microsoft.com/office/drawing/2014/main" id="{749BD921-61CF-54D3-AD58-5443A074AED2}"/>
+                <a16:creationId xmlns:a16="http://schemas.microsoft.com/office/drawing/2014/main" id="{7903DF69-68C6-2B55-EB14-E930778AE81B}"/>
               </a:ext>
             </a:extLst>
           </p:cNvPr>
@@ -2507,7 +2507,7 @@
           <p:cNvPr id="3" name="图片占位符 2">
             <a:extLst>
               <a:ext uri="{FF2B5EF4-FFF2-40B4-BE49-F238E27FC236}">
-                <a16:creationId xmlns:a16="http://schemas.microsoft.com/office/drawing/2014/main" id="{DEB018B7-2D34-E994-8197-D55AE64C2840}"/>
+                <a16:creationId xmlns:a16="http://schemas.microsoft.com/office/drawing/2014/main" id="{0C52B9A6-D32C-559E-0792-672A9FF2EA9E}"/>
               </a:ext>
             </a:extLst>
           </p:cNvPr>
@@ -2574,7 +2574,7 @@
           <p:cNvPr id="4" name="文本占位符 3">
             <a:extLst>
               <a:ext uri="{FF2B5EF4-FFF2-40B4-BE49-F238E27FC236}">
-                <a16:creationId xmlns:a16="http://schemas.microsoft.com/office/drawing/2014/main" id="{B10952FD-4779-C2FA-0392-D404BC1B6B12}"/>
+                <a16:creationId xmlns:a16="http://schemas.microsoft.com/office/drawing/2014/main" id="{1942349A-728D-EF4E-C864-7D9F4E7145AB}"/>
               </a:ext>
             </a:extLst>
           </p:cNvPr>
@@ -2645,7 +2645,7 @@
           <p:cNvPr id="5" name="日期占位符 4">
             <a:extLst>
               <a:ext uri="{FF2B5EF4-FFF2-40B4-BE49-F238E27FC236}">
-                <a16:creationId xmlns:a16="http://schemas.microsoft.com/office/drawing/2014/main" id="{3E0E0083-5182-77D6-8421-781EF0E1F268}"/>
+                <a16:creationId xmlns:a16="http://schemas.microsoft.com/office/drawing/2014/main" id="{BB4DE3F1-078D-EE59-3EC2-46ACE2E85578}"/>
               </a:ext>
             </a:extLst>
           </p:cNvPr>
@@ -2661,7 +2661,7 @@
           <a:bodyPr/>
           <a:lstStyle/>
           <a:p>
-            <a:fld id="{7DA3730C-18FA-4028-BB3E-B167D489B5ED}" type="datetimeFigureOut">
+            <a:fld id="{31985037-53ED-4FE3-8DE3-729FE82A49E8}" type="datetimeFigureOut">
               <a:rPr lang="zh-CN" altLang="en-US" smtClean="0"/>
               <a:t>2024/3/10</a:t>
             </a:fld>
@@ -2674,7 +2674,7 @@
           <p:cNvPr id="6" name="页脚占位符 5">
             <a:extLst>
               <a:ext uri="{FF2B5EF4-FFF2-40B4-BE49-F238E27FC236}">
-                <a16:creationId xmlns:a16="http://schemas.microsoft.com/office/drawing/2014/main" id="{411329AC-6B83-E4B0-39D2-E818B863A7DE}"/>
+                <a16:creationId xmlns:a16="http://schemas.microsoft.com/office/drawing/2014/main" id="{8639AD14-71DA-3CF8-BAE7-EEF25FB99FC3}"/>
               </a:ext>
             </a:extLst>
           </p:cNvPr>
@@ -2699,7 +2699,7 @@
           <p:cNvPr id="7" name="灯片编号占位符 6">
             <a:extLst>
               <a:ext uri="{FF2B5EF4-FFF2-40B4-BE49-F238E27FC236}">
-                <a16:creationId xmlns:a16="http://schemas.microsoft.com/office/drawing/2014/main" id="{D5B82C31-DAD4-981D-E1A6-3AD77E0BEFB3}"/>
+                <a16:creationId xmlns:a16="http://schemas.microsoft.com/office/drawing/2014/main" id="{C1B61320-A2A1-4585-8D4D-BF4BAA8BCE3C}"/>
               </a:ext>
             </a:extLst>
           </p:cNvPr>
@@ -2715,7 +2715,7 @@
           <a:bodyPr/>
           <a:lstStyle/>
           <a:p>
-            <a:fld id="{7D1EE2D9-6E75-4FDD-9333-7BF40F01B560}" type="slidenum">
+            <a:fld id="{C48D55DC-924E-4DE3-BD19-A639394D1577}" type="slidenum">
               <a:rPr lang="zh-CN" altLang="en-US" smtClean="0"/>
               <a:t>‹#›</a:t>
             </a:fld>
@@ -2726,7 +2726,7 @@
     </p:spTree>
     <p:extLst>
       <p:ext uri="{BB962C8B-B14F-4D97-AF65-F5344CB8AC3E}">
-        <p14:creationId xmlns:p14="http://schemas.microsoft.com/office/powerpoint/2010/main" val="1805949369"/>
+        <p14:creationId xmlns:p14="http://schemas.microsoft.com/office/powerpoint/2010/main" val="1111752730"/>
       </p:ext>
     </p:extLst>
   </p:cSld>
@@ -2763,7 +2763,7 @@
           <p:cNvPr id="2" name="标题占位符 1">
             <a:extLst>
               <a:ext uri="{FF2B5EF4-FFF2-40B4-BE49-F238E27FC236}">
-                <a16:creationId xmlns:a16="http://schemas.microsoft.com/office/drawing/2014/main" id="{9E4EA3F7-51C7-A682-6DA4-D840AD33AA03}"/>
+                <a16:creationId xmlns:a16="http://schemas.microsoft.com/office/drawing/2014/main" id="{E8406C78-B771-1D18-8888-CA09BE96B375}"/>
               </a:ext>
             </a:extLst>
           </p:cNvPr>
@@ -2801,7 +2801,7 @@
           <p:cNvPr id="3" name="文本占位符 2">
             <a:extLst>
               <a:ext uri="{FF2B5EF4-FFF2-40B4-BE49-F238E27FC236}">
-                <a16:creationId xmlns:a16="http://schemas.microsoft.com/office/drawing/2014/main" id="{A3BC8E3E-BE68-4E33-D738-6CB221C613A7}"/>
+                <a16:creationId xmlns:a16="http://schemas.microsoft.com/office/drawing/2014/main" id="{14EF1309-6A63-2A14-77C9-C86F75713C06}"/>
               </a:ext>
             </a:extLst>
           </p:cNvPr>
@@ -2868,7 +2868,7 @@
           <p:cNvPr id="4" name="日期占位符 3">
             <a:extLst>
               <a:ext uri="{FF2B5EF4-FFF2-40B4-BE49-F238E27FC236}">
-                <a16:creationId xmlns:a16="http://schemas.microsoft.com/office/drawing/2014/main" id="{06D11871-2070-F156-8D00-D7674380312E}"/>
+                <a16:creationId xmlns:a16="http://schemas.microsoft.com/office/drawing/2014/main" id="{3DC25970-7D49-BF30-7FD0-364BCCC1B621}"/>
               </a:ext>
             </a:extLst>
           </p:cNvPr>
@@ -2902,7 +2902,7 @@
             </a:lvl1pPr>
           </a:lstStyle>
           <a:p>
-            <a:fld id="{7DA3730C-18FA-4028-BB3E-B167D489B5ED}" type="datetimeFigureOut">
+            <a:fld id="{31985037-53ED-4FE3-8DE3-729FE82A49E8}" type="datetimeFigureOut">
               <a:rPr lang="zh-CN" altLang="en-US" smtClean="0"/>
               <a:t>2024/3/10</a:t>
             </a:fld>
@@ -2915,7 +2915,7 @@
           <p:cNvPr id="5" name="页脚占位符 4">
             <a:extLst>
               <a:ext uri="{FF2B5EF4-FFF2-40B4-BE49-F238E27FC236}">
-                <a16:creationId xmlns:a16="http://schemas.microsoft.com/office/drawing/2014/main" id="{C4DDEEDB-0EF5-2406-317A-A8A510097D1B}"/>
+                <a16:creationId xmlns:a16="http://schemas.microsoft.com/office/drawing/2014/main" id="{75E3460A-9801-C904-D904-D03D98B63072}"/>
               </a:ext>
             </a:extLst>
           </p:cNvPr>
@@ -2958,7 +2958,7 @@
           <p:cNvPr id="6" name="灯片编号占位符 5">
             <a:extLst>
               <a:ext uri="{FF2B5EF4-FFF2-40B4-BE49-F238E27FC236}">
-                <a16:creationId xmlns:a16="http://schemas.microsoft.com/office/drawing/2014/main" id="{6CFDED36-3C35-F6D0-529E-5069F994ADAD}"/>
+                <a16:creationId xmlns:a16="http://schemas.microsoft.com/office/drawing/2014/main" id="{26DF28EF-2ECF-6F00-DC29-A5AE67AE1BD2}"/>
               </a:ext>
             </a:extLst>
           </p:cNvPr>
@@ -2992,7 +2992,7 @@
             </a:lvl1pPr>
           </a:lstStyle>
           <a:p>
-            <a:fld id="{7D1EE2D9-6E75-4FDD-9333-7BF40F01B560}" type="slidenum">
+            <a:fld id="{C48D55DC-924E-4DE3-BD19-A639394D1577}" type="slidenum">
               <a:rPr lang="zh-CN" altLang="en-US" smtClean="0"/>
               <a:t>‹#›</a:t>
             </a:fld>
@@ -3003,7 +3003,7 @@
     </p:spTree>
     <p:extLst>
       <p:ext uri="{BB962C8B-B14F-4D97-AF65-F5344CB8AC3E}">
-        <p14:creationId xmlns:p14="http://schemas.microsoft.com/office/powerpoint/2010/main" val="1334865462"/>
+        <p14:creationId xmlns:p14="http://schemas.microsoft.com/office/powerpoint/2010/main" val="3888610585"/>
       </p:ext>
     </p:extLst>
   </p:cSld>
